--- a/Step0/Intro.pptx
+++ b/Step0/Intro.pptx
@@ -244,7 +244,7 @@
           <a:p>
             <a:fld id="{9EB326D8-4C38-4835-91AB-B79CDC0B07B3}" type="datetimeFigureOut">
               <a:rPr lang="en-US" smtClean="0"/>
-              <a:t>3/23/2018</a:t>
+              <a:t>4/20/2018</a:t>
             </a:fld>
             <a:endParaRPr lang="en-US"/>
           </a:p>
@@ -5894,7 +5894,7 @@
           <a:p>
             <a:fld id="{021C408F-DF0D-4580-9F48-C473147CA8AF}" type="datetimeFigureOut">
               <a:rPr lang="en-US" smtClean="0"/>
-              <a:t>3/23/2018</a:t>
+              <a:t>4/20/2018</a:t>
             </a:fld>
             <a:endParaRPr lang="en-US"/>
           </a:p>
@@ -7179,7 +7179,7 @@
               <a:defRPr/>
             </a:pPr>
             <a:r>
-              <a:rPr kumimoji="0" lang="en-US" sz="3600" b="0" i="0" u="none" strike="noStrike" kern="1200" cap="none" spc="0" normalizeH="0" baseline="0" noProof="0" dirty="0">
+              <a:rPr kumimoji="0" lang="fr-CA" sz="3600" b="0" i="0" u="none" strike="noStrike" kern="1200" cap="none" spc="0" normalizeH="0" baseline="0" noProof="0" dirty="0" err="1">
                 <a:ln>
                   <a:noFill/>
                 </a:ln>
@@ -7193,8 +7193,22 @@
                 <a:ea typeface="+mn-ea"/>
                 <a:cs typeface="+mn-cs"/>
               </a:rPr>
-              <a:t>CITY NAME</a:t>
-            </a:r>
+              <a:t>Montreal</a:t>
+            </a:r>
+            <a:endParaRPr kumimoji="0" lang="en-US" sz="3600" b="0" i="0" u="none" strike="noStrike" kern="1200" cap="none" spc="0" normalizeH="0" baseline="0" noProof="0" dirty="0">
+              <a:ln>
+                <a:noFill/>
+              </a:ln>
+              <a:solidFill>
+                <a:prstClr val="black"/>
+              </a:solidFill>
+              <a:effectLst/>
+              <a:uLnTx/>
+              <a:uFillTx/>
+              <a:latin typeface="Calibri" panose="020F0502020204030204"/>
+              <a:ea typeface="+mn-ea"/>
+              <a:cs typeface="+mn-cs"/>
+            </a:endParaRPr>
           </a:p>
         </p:txBody>
       </p:sp>
@@ -7700,7 +7714,7 @@
                   <a:schemeClr val="bg2"/>
                 </a:solidFill>
               </a:rPr>
-              <a:t>Agenda TBD</a:t>
+              <a:t>Agenda</a:t>
             </a:r>
           </a:p>
         </p:txBody>
@@ -7717,139 +7731,115 @@
         </p:nvSpPr>
         <p:spPr>
           <a:xfrm>
-            <a:off x="1004888" y="2155825"/>
-            <a:ext cx="11187112" cy="4416425"/>
+            <a:off x="1004888" y="1835835"/>
+            <a:ext cx="11187112" cy="4736416"/>
           </a:xfrm>
           <a:prstGeom prst="rect">
             <a:avLst/>
           </a:prstGeom>
         </p:spPr>
         <p:txBody>
-          <a:bodyPr numCol="2">
+          <a:bodyPr numCol="1">
             <a:noAutofit/>
           </a:bodyPr>
           <a:lstStyle/>
           <a:p>
             <a:r>
               <a:rPr lang="fr-CA" sz="2400" dirty="0"/>
-              <a:t>9h00-9h30</a:t>
-            </a:r>
-            <a:r>
-              <a:rPr lang="fr-CA" sz="2400" b="1" dirty="0"/>
-              <a:t> </a:t>
-            </a:r>
+              <a:t>09h00-9h15	Intro</a:t>
+            </a:r>
+          </a:p>
+          <a:p>
             <a:r>
               <a:rPr lang="fr-CA" sz="2400" dirty="0"/>
-              <a:t> </a:t>
-            </a:r>
-          </a:p>
-          <a:p>
-            <a:pPr marL="0" indent="0">
-              <a:buNone/>
-            </a:pPr>
+              <a:t>09h15-9h30	</a:t>
+            </a:r>
+            <a:r>
+              <a:rPr lang="fr-CA" sz="2400" dirty="0" err="1"/>
+              <a:t>Deploy</a:t>
+            </a:r>
             <a:r>
               <a:rPr lang="fr-CA" sz="2400" dirty="0"/>
               <a:t> </a:t>
             </a:r>
+            <a:r>
+              <a:rPr lang="fr-CA" sz="2400" dirty="0" err="1"/>
+              <a:t>LogAnalytics</a:t>
+            </a:r>
+            <a:endParaRPr lang="fr-CA" sz="2400" b="1" dirty="0"/>
           </a:p>
           <a:p>
             <a:r>
               <a:rPr lang="fr-CA" sz="2400" dirty="0"/>
-              <a:t>9h30-10h15</a:t>
-            </a:r>
-            <a:r>
-              <a:rPr lang="fr-CA" sz="2400" b="1" dirty="0"/>
-              <a:t> </a:t>
-            </a:r>
-            <a:br>
+              <a:t>09h30-9h50	</a:t>
+            </a:r>
+            <a:r>
+              <a:rPr lang="fr-CA" sz="2400" dirty="0" err="1"/>
+              <a:t>Deploy</a:t>
+            </a:r>
+            <a:r>
               <a:rPr lang="fr-CA" sz="2400" dirty="0"/>
-            </a:br>
+              <a:t> </a:t>
+            </a:r>
+            <a:r>
+              <a:rPr lang="fr-CA" sz="2400" dirty="0" err="1"/>
+              <a:t>Environment</a:t>
+            </a:r>
             <a:endParaRPr lang="fr-CA" sz="2400" dirty="0"/>
           </a:p>
           <a:p>
             <a:r>
               <a:rPr lang="fr-CA" sz="2400" dirty="0"/>
-              <a:t>10h15-11h00</a:t>
-            </a:r>
-            <a:br>
+              <a:t>09h50-10h35	App Insights 1</a:t>
+            </a:r>
+          </a:p>
+          <a:p>
+            <a:r>
               <a:rPr lang="fr-CA" sz="2400" dirty="0"/>
-            </a:br>
+              <a:t>10h35-11h20	Log Analytics + Pause</a:t>
+            </a:r>
+            <a:endParaRPr lang="fr-CA" sz="2400" b="1" dirty="0"/>
+          </a:p>
+          <a:p>
+            <a:r>
+              <a:rPr lang="fr-CA" sz="2400" dirty="0"/>
+              <a:t>11h20-11h50	Security Center</a:t>
+            </a:r>
+          </a:p>
+          <a:p>
+            <a:r>
+              <a:rPr lang="fr-CA" sz="2400" dirty="0"/>
+              <a:t>11h50-12h30	LUNCH</a:t>
+            </a:r>
+          </a:p>
+          <a:p>
+            <a:r>
+              <a:rPr lang="fr-CA" sz="2400" dirty="0"/>
+              <a:t>12h30-13h00	App Service troubleshooting &amp; </a:t>
+            </a:r>
+            <a:r>
+              <a:rPr lang="fr-CA" sz="2400" dirty="0" err="1"/>
+              <a:t>tools</a:t>
+            </a:r>
             <a:endParaRPr lang="fr-CA" sz="2400" dirty="0"/>
           </a:p>
           <a:p>
             <a:r>
               <a:rPr lang="fr-CA" sz="2400" dirty="0"/>
-              <a:t>11h00-11h15 PAUSE </a:t>
-            </a:r>
-            <a:br>
+              <a:t>13h00-13h30	App Insights 2</a:t>
+            </a:r>
+          </a:p>
+          <a:p>
+            <a:r>
               <a:rPr lang="fr-CA" sz="2400" dirty="0"/>
-            </a:br>
-            <a:endParaRPr lang="fr-CA" sz="2400" dirty="0"/>
+              <a:t>13h30-14h20	Azure Monitor + Logic App</a:t>
+            </a:r>
           </a:p>
           <a:p>
             <a:r>
               <a:rPr lang="fr-CA" sz="2400" dirty="0"/>
-              <a:t>11h15-12h00</a:t>
-            </a:r>
-            <a:endParaRPr lang="fr-CA" sz="2400" b="1" dirty="0"/>
-          </a:p>
-          <a:p>
-            <a:endParaRPr lang="fr-CA" sz="2400" dirty="0"/>
-          </a:p>
-          <a:p>
-            <a:r>
-              <a:rPr lang="fr-CA" sz="2400" dirty="0"/>
-              <a:t>12h00-12h45 LUNCH</a:t>
-            </a:r>
-          </a:p>
-          <a:p>
-            <a:r>
-              <a:rPr lang="fr-CA" sz="2400" dirty="0"/>
-              <a:t>12h45-13h15</a:t>
-            </a:r>
-            <a:br>
-              <a:rPr lang="fr-CA" sz="2400" b="1" dirty="0"/>
-            </a:br>
-            <a:endParaRPr lang="fr-CA" sz="2400" dirty="0"/>
-          </a:p>
-          <a:p>
-            <a:r>
-              <a:rPr lang="fr-CA" sz="2400" dirty="0"/>
-              <a:t>13h15-14h15 </a:t>
-            </a:r>
-            <a:br>
-              <a:rPr lang="fr-CA" sz="2400" b="1" dirty="0"/>
-            </a:br>
-            <a:endParaRPr lang="fr-CA" sz="2400" dirty="0"/>
-          </a:p>
-          <a:p>
-            <a:r>
-              <a:rPr lang="fr-CA" sz="2400" dirty="0"/>
-              <a:t>14h15-14h30 </a:t>
-            </a:r>
-            <a:br>
-              <a:rPr lang="fr-CA" sz="2400" dirty="0"/>
-            </a:br>
-            <a:endParaRPr lang="fr-CA" sz="2400" dirty="0"/>
-          </a:p>
-          <a:p>
-            <a:r>
-              <a:rPr lang="fr-CA" sz="2400" dirty="0"/>
-              <a:t>14h30-15h15</a:t>
-            </a:r>
-            <a:br>
-              <a:rPr lang="fr-CA" sz="2400" b="1" dirty="0"/>
-            </a:br>
-            <a:endParaRPr lang="fr-CA" sz="2400" dirty="0"/>
-          </a:p>
-          <a:p>
-            <a:r>
-              <a:rPr lang="fr-CA" sz="2400" dirty="0"/>
-              <a:t>15h15-16h00</a:t>
-            </a:r>
-            <a:endParaRPr lang="fr-CA" sz="2400" dirty="0">
-              <a:effectLst/>
-            </a:endParaRPr>
+              <a:t>14h20-15h00	Azure Policy</a:t>
+            </a:r>
           </a:p>
         </p:txBody>
       </p:sp>
@@ -8226,7 +8216,7 @@
                                         <p:tgtEl>
                                           <p:spTgt spid="6">
                                             <p:txEl>
-                                              <p:pRg st="7" end="7"/>
+                                              <p:pRg st="6" end="6"/>
                                             </p:txEl>
                                           </p:spTgt>
                                         </p:tgtEl>
@@ -8244,7 +8234,7 @@
                                         <p:tgtEl>
                                           <p:spTgt spid="6">
                                             <p:txEl>
-                                              <p:pRg st="7" end="7"/>
+                                              <p:pRg st="6" end="6"/>
                                             </p:txEl>
                                           </p:spTgt>
                                         </p:tgtEl>
@@ -8278,7 +8268,7 @@
                                         <p:tgtEl>
                                           <p:spTgt spid="6">
                                             <p:txEl>
-                                              <p:pRg st="8" end="8"/>
+                                              <p:pRg st="7" end="7"/>
                                             </p:txEl>
                                           </p:spTgt>
                                         </p:tgtEl>
@@ -8296,7 +8286,7 @@
                                         <p:tgtEl>
                                           <p:spTgt spid="6">
                                             <p:txEl>
-                                              <p:pRg st="8" end="8"/>
+                                              <p:pRg st="7" end="7"/>
                                             </p:txEl>
                                           </p:spTgt>
                                         </p:tgtEl>
@@ -8330,7 +8320,7 @@
                                         <p:tgtEl>
                                           <p:spTgt spid="6">
                                             <p:txEl>
-                                              <p:pRg st="9" end="9"/>
+                                              <p:pRg st="8" end="8"/>
                                             </p:txEl>
                                           </p:spTgt>
                                         </p:tgtEl>
@@ -8348,7 +8338,7 @@
                                         <p:tgtEl>
                                           <p:spTgt spid="6">
                                             <p:txEl>
-                                              <p:pRg st="9" end="9"/>
+                                              <p:pRg st="8" end="8"/>
                                             </p:txEl>
                                           </p:spTgt>
                                         </p:tgtEl>
@@ -8382,7 +8372,7 @@
                                         <p:tgtEl>
                                           <p:spTgt spid="6">
                                             <p:txEl>
-                                              <p:pRg st="10" end="10"/>
+                                              <p:pRg st="9" end="9"/>
                                             </p:txEl>
                                           </p:spTgt>
                                         </p:tgtEl>
@@ -8400,7 +8390,7 @@
                                         <p:tgtEl>
                                           <p:spTgt spid="6">
                                             <p:txEl>
-                                              <p:pRg st="10" end="10"/>
+                                              <p:pRg st="9" end="9"/>
                                             </p:txEl>
                                           </p:spTgt>
                                         </p:tgtEl>
@@ -8434,7 +8424,7 @@
                                         <p:tgtEl>
                                           <p:spTgt spid="6">
                                             <p:txEl>
-                                              <p:pRg st="11" end="11"/>
+                                              <p:pRg st="10" end="10"/>
                                             </p:txEl>
                                           </p:spTgt>
                                         </p:tgtEl>
@@ -8452,59 +8442,7 @@
                                         <p:tgtEl>
                                           <p:spTgt spid="6">
                                             <p:txEl>
-                                              <p:pRg st="11" end="11"/>
-                                            </p:txEl>
-                                          </p:spTgt>
-                                        </p:tgtEl>
-                                      </p:cBhvr>
-                                    </p:animEffect>
-                                  </p:childTnLst>
-                                </p:cTn>
-                              </p:par>
-                            </p:childTnLst>
-                          </p:cTn>
-                        </p:par>
-                        <p:par>
-                          <p:cTn id="48" fill="hold">
-                            <p:stCondLst>
-                              <p:cond delay="5500"/>
-                            </p:stCondLst>
-                            <p:childTnLst>
-                              <p:par>
-                                <p:cTn id="49" presetID="10" presetClass="entr" presetSubtype="0" fill="hold" grpId="0" nodeType="afterEffect">
-                                  <p:stCondLst>
-                                    <p:cond delay="0"/>
-                                  </p:stCondLst>
-                                  <p:childTnLst>
-                                    <p:set>
-                                      <p:cBhvr>
-                                        <p:cTn id="50" dur="1" fill="hold">
-                                          <p:stCondLst>
-                                            <p:cond delay="0"/>
-                                          </p:stCondLst>
-                                        </p:cTn>
-                                        <p:tgtEl>
-                                          <p:spTgt spid="6">
-                                            <p:txEl>
-                                              <p:pRg st="12" end="12"/>
-                                            </p:txEl>
-                                          </p:spTgt>
-                                        </p:tgtEl>
-                                        <p:attrNameLst>
-                                          <p:attrName>style.visibility</p:attrName>
-                                        </p:attrNameLst>
-                                      </p:cBhvr>
-                                      <p:to>
-                                        <p:strVal val="visible"/>
-                                      </p:to>
-                                    </p:set>
-                                    <p:animEffect transition="in" filter="fade">
-                                      <p:cBhvr>
-                                        <p:cTn id="51" dur="500"/>
-                                        <p:tgtEl>
-                                          <p:spTgt spid="6">
-                                            <p:txEl>
-                                              <p:pRg st="12" end="12"/>
+                                              <p:pRg st="10" end="10"/>
                                             </p:txEl>
                                           </p:spTgt>
                                         </p:tgtEl>
@@ -8861,13 +8799,6 @@
           <a:lstStyle/>
           <a:p>
             <a:r>
-              <a:rPr lang="en-US" b="1" dirty="0"/>
-              <a:t>Step 0</a:t>
-            </a:r>
-            <a:br>
-              <a:rPr lang="en-US" b="1" dirty="0"/>
-            </a:br>
-            <a:r>
               <a:rPr lang="fr-CA" b="1" dirty="0"/>
               <a:t>Intro</a:t>
             </a:r>
@@ -8920,30 +8851,9 @@
             </a:lvl1pPr>
           </a:lstStyle>
           <a:p>
-            <a:r>
-              <a:rPr lang="en-CA" sz="3921" b="1" dirty="0"/>
-              <a:t>Speaker Name</a:t>
-            </a:r>
-          </a:p>
-          <a:p>
-            <a:r>
-              <a:rPr lang="en-CA" sz="3921" b="1" dirty="0"/>
-              <a:t>Titles</a:t>
-            </a:r>
             <a:br>
               <a:rPr lang="en-CA" sz="3921" b="1" dirty="0"/>
             </a:br>
-            <a:endParaRPr lang="en-CA" sz="3921" b="1" dirty="0"/>
-          </a:p>
-          <a:p>
-            <a:r>
-              <a:rPr lang="en-CA" sz="3921" b="1" dirty="0"/>
-              <a:t>Website </a:t>
-            </a:r>
-            <a:r>
-              <a:rPr lang="en-CA" sz="3921" b="1" dirty="0" err="1"/>
-              <a:t>url</a:t>
-            </a:r>
             <a:endParaRPr lang="en-CA" sz="3921" b="1" dirty="0"/>
           </a:p>
         </p:txBody>
